--- a/doc/images/images.pptx
+++ b/doc/images/images.pptx
@@ -4,8 +4,12 @@
   <p:sldMasterIdLst>
     <p:sldMasterId id="2147483648" r:id="rId1"/>
   </p:sldMasterIdLst>
+  <p:notesMasterIdLst>
+    <p:notesMasterId r:id="rId4"/>
+  </p:notesMasterIdLst>
   <p:sldIdLst>
     <p:sldId id="256" r:id="rId2"/>
+    <p:sldId id="258" r:id="rId3"/>
   </p:sldIdLst>
   <p:sldSz cx="12192000" cy="6858000"/>
   <p:notesSz cx="6858000" cy="9144000"/>
@@ -104,7 +108,446 @@
       </a:defRPr>
     </a:lvl9pPr>
   </p:defaultTextStyle>
+  <p:extLst>
+    <p:ext uri="{EFAFB233-063F-42B5-8137-9DF3F51BA10A}">
+      <p15:sldGuideLst xmlns:p15="http://schemas.microsoft.com/office/powerpoint/2012/main"/>
+    </p:ext>
+  </p:extLst>
 </p:presentation>
+</file>
+
+<file path=ppt/notesMasters/notesMaster1.xml><?xml version="1.0" encoding="utf-8"?>
+<p:notesMaster xmlns:a="http://schemas.openxmlformats.org/drawingml/2006/main" xmlns:r="http://schemas.openxmlformats.org/officeDocument/2006/relationships" xmlns:p="http://schemas.openxmlformats.org/presentationml/2006/main">
+  <p:cSld>
+    <p:bg>
+      <p:bgRef idx="1001">
+        <a:schemeClr val="bg1"/>
+      </p:bgRef>
+    </p:bg>
+    <p:spTree>
+      <p:nvGrpSpPr>
+        <p:cNvPr id="1" name=""/>
+        <p:cNvGrpSpPr/>
+        <p:nvPr/>
+      </p:nvGrpSpPr>
+      <p:grpSpPr>
+        <a:xfrm>
+          <a:off x="0" y="0"/>
+          <a:ext cx="0" cy="0"/>
+          <a:chOff x="0" y="0"/>
+          <a:chExt cx="0" cy="0"/>
+        </a:xfrm>
+      </p:grpSpPr>
+      <p:sp>
+        <p:nvSpPr>
+          <p:cNvPr id="2" name="Espaço Reservado para Cabeçalho 1"/>
+          <p:cNvSpPr>
+            <a:spLocks noGrp="1"/>
+          </p:cNvSpPr>
+          <p:nvPr>
+            <p:ph type="hdr" sz="quarter"/>
+          </p:nvPr>
+        </p:nvSpPr>
+        <p:spPr>
+          <a:xfrm>
+            <a:off x="0" y="0"/>
+            <a:ext cx="2971800" cy="458788"/>
+          </a:xfrm>
+          <a:prstGeom prst="rect">
+            <a:avLst/>
+          </a:prstGeom>
+        </p:spPr>
+        <p:txBody>
+          <a:bodyPr vert="horz" lIns="91440" tIns="45720" rIns="91440" bIns="45720" rtlCol="0"/>
+          <a:lstStyle>
+            <a:lvl1pPr algn="l">
+              <a:defRPr sz="1200"/>
+            </a:lvl1pPr>
+          </a:lstStyle>
+          <a:p>
+            <a:endParaRPr lang="en-US"/>
+          </a:p>
+        </p:txBody>
+      </p:sp>
+      <p:sp>
+        <p:nvSpPr>
+          <p:cNvPr id="3" name="Espaço Reservado para Data 2"/>
+          <p:cNvSpPr>
+            <a:spLocks noGrp="1"/>
+          </p:cNvSpPr>
+          <p:nvPr>
+            <p:ph type="dt" idx="1"/>
+          </p:nvPr>
+        </p:nvSpPr>
+        <p:spPr>
+          <a:xfrm>
+            <a:off x="3884613" y="0"/>
+            <a:ext cx="2971800" cy="458788"/>
+          </a:xfrm>
+          <a:prstGeom prst="rect">
+            <a:avLst/>
+          </a:prstGeom>
+        </p:spPr>
+        <p:txBody>
+          <a:bodyPr vert="horz" lIns="91440" tIns="45720" rIns="91440" bIns="45720" rtlCol="0"/>
+          <a:lstStyle>
+            <a:lvl1pPr algn="r">
+              <a:defRPr sz="1200"/>
+            </a:lvl1pPr>
+          </a:lstStyle>
+          <a:p>
+            <a:fld id="{6E64B0B6-6863-439E-B08A-6CAAA6AE1CC1}" type="datetimeFigureOut">
+              <a:rPr lang="en-US" smtClean="0"/>
+              <a:t>10/9/2024</a:t>
+            </a:fld>
+            <a:endParaRPr lang="en-US"/>
+          </a:p>
+        </p:txBody>
+      </p:sp>
+      <p:sp>
+        <p:nvSpPr>
+          <p:cNvPr id="4" name="Espaço Reservado para Imagem de Slide 3"/>
+          <p:cNvSpPr>
+            <a:spLocks noGrp="1" noRot="1" noChangeAspect="1"/>
+          </p:cNvSpPr>
+          <p:nvPr>
+            <p:ph type="sldImg" idx="2"/>
+          </p:nvPr>
+        </p:nvSpPr>
+        <p:spPr>
+          <a:xfrm>
+            <a:off x="685800" y="1143000"/>
+            <a:ext cx="5486400" cy="3086100"/>
+          </a:xfrm>
+          <a:prstGeom prst="rect">
+            <a:avLst/>
+          </a:prstGeom>
+          <a:noFill/>
+          <a:ln w="12700">
+            <a:solidFill>
+              <a:prstClr val="black"/>
+            </a:solidFill>
+          </a:ln>
+        </p:spPr>
+        <p:txBody>
+          <a:bodyPr vert="horz" lIns="91440" tIns="45720" rIns="91440" bIns="45720" rtlCol="0" anchor="ctr"/>
+          <a:lstStyle/>
+          <a:p>
+            <a:endParaRPr lang="en-US"/>
+          </a:p>
+        </p:txBody>
+      </p:sp>
+      <p:sp>
+        <p:nvSpPr>
+          <p:cNvPr id="5" name="Espaço Reservado para Anotações 4"/>
+          <p:cNvSpPr>
+            <a:spLocks noGrp="1"/>
+          </p:cNvSpPr>
+          <p:nvPr>
+            <p:ph type="body" sz="quarter" idx="3"/>
+          </p:nvPr>
+        </p:nvSpPr>
+        <p:spPr>
+          <a:xfrm>
+            <a:off x="685800" y="4400550"/>
+            <a:ext cx="5486400" cy="3600450"/>
+          </a:xfrm>
+          <a:prstGeom prst="rect">
+            <a:avLst/>
+          </a:prstGeom>
+        </p:spPr>
+        <p:txBody>
+          <a:bodyPr vert="horz" lIns="91440" tIns="45720" rIns="91440" bIns="45720" rtlCol="0"/>
+          <a:lstStyle/>
+          <a:p>
+            <a:pPr lvl="0"/>
+            <a:r>
+              <a:rPr lang="pt-BR"/>
+              <a:t>Clique para editar os estilos de texto Mestres</a:t>
+            </a:r>
+          </a:p>
+          <a:p>
+            <a:pPr lvl="1"/>
+            <a:r>
+              <a:rPr lang="pt-BR"/>
+              <a:t>Segundo nível</a:t>
+            </a:r>
+          </a:p>
+          <a:p>
+            <a:pPr lvl="2"/>
+            <a:r>
+              <a:rPr lang="pt-BR"/>
+              <a:t>Terceiro nível</a:t>
+            </a:r>
+          </a:p>
+          <a:p>
+            <a:pPr lvl="3"/>
+            <a:r>
+              <a:rPr lang="pt-BR"/>
+              <a:t>Quarto nível</a:t>
+            </a:r>
+          </a:p>
+          <a:p>
+            <a:pPr lvl="4"/>
+            <a:r>
+              <a:rPr lang="pt-BR"/>
+              <a:t>Quinto nível</a:t>
+            </a:r>
+            <a:endParaRPr lang="en-US"/>
+          </a:p>
+        </p:txBody>
+      </p:sp>
+      <p:sp>
+        <p:nvSpPr>
+          <p:cNvPr id="6" name="Espaço Reservado para Rodapé 5"/>
+          <p:cNvSpPr>
+            <a:spLocks noGrp="1"/>
+          </p:cNvSpPr>
+          <p:nvPr>
+            <p:ph type="ftr" sz="quarter" idx="4"/>
+          </p:nvPr>
+        </p:nvSpPr>
+        <p:spPr>
+          <a:xfrm>
+            <a:off x="0" y="8685213"/>
+            <a:ext cx="2971800" cy="458787"/>
+          </a:xfrm>
+          <a:prstGeom prst="rect">
+            <a:avLst/>
+          </a:prstGeom>
+        </p:spPr>
+        <p:txBody>
+          <a:bodyPr vert="horz" lIns="91440" tIns="45720" rIns="91440" bIns="45720" rtlCol="0" anchor="b"/>
+          <a:lstStyle>
+            <a:lvl1pPr algn="l">
+              <a:defRPr sz="1200"/>
+            </a:lvl1pPr>
+          </a:lstStyle>
+          <a:p>
+            <a:endParaRPr lang="en-US"/>
+          </a:p>
+        </p:txBody>
+      </p:sp>
+      <p:sp>
+        <p:nvSpPr>
+          <p:cNvPr id="7" name="Espaço Reservado para Número de Slide 6"/>
+          <p:cNvSpPr>
+            <a:spLocks noGrp="1"/>
+          </p:cNvSpPr>
+          <p:nvPr>
+            <p:ph type="sldNum" sz="quarter" idx="5"/>
+          </p:nvPr>
+        </p:nvSpPr>
+        <p:spPr>
+          <a:xfrm>
+            <a:off x="3884613" y="8685213"/>
+            <a:ext cx="2971800" cy="458787"/>
+          </a:xfrm>
+          <a:prstGeom prst="rect">
+            <a:avLst/>
+          </a:prstGeom>
+        </p:spPr>
+        <p:txBody>
+          <a:bodyPr vert="horz" lIns="91440" tIns="45720" rIns="91440" bIns="45720" rtlCol="0" anchor="b"/>
+          <a:lstStyle>
+            <a:lvl1pPr algn="r">
+              <a:defRPr sz="1200"/>
+            </a:lvl1pPr>
+          </a:lstStyle>
+          <a:p>
+            <a:fld id="{98724664-5A78-46DB-8427-48BBF9703CFE}" type="slidenum">
+              <a:rPr lang="en-US" smtClean="0"/>
+              <a:t>‹nº›</a:t>
+            </a:fld>
+            <a:endParaRPr lang="en-US"/>
+          </a:p>
+        </p:txBody>
+      </p:sp>
+    </p:spTree>
+    <p:extLst>
+      <p:ext uri="{BB962C8B-B14F-4D97-AF65-F5344CB8AC3E}">
+        <p14:creationId xmlns:p14="http://schemas.microsoft.com/office/powerpoint/2010/main" val="520026953"/>
+      </p:ext>
+    </p:extLst>
+  </p:cSld>
+  <p:clrMap bg1="lt1" tx1="dk1" bg2="lt2" tx2="dk2" accent1="accent1" accent2="accent2" accent3="accent3" accent4="accent4" accent5="accent5" accent6="accent6" hlink="hlink" folHlink="folHlink"/>
+  <p:notesStyle>
+    <a:lvl1pPr marL="0" algn="l" defTabSz="914400" rtl="0" eaLnBrk="1" latinLnBrk="0" hangingPunct="1">
+      <a:defRPr sz="1200" kern="1200">
+        <a:solidFill>
+          <a:schemeClr val="tx1"/>
+        </a:solidFill>
+        <a:latin typeface="+mn-lt"/>
+        <a:ea typeface="+mn-ea"/>
+        <a:cs typeface="+mn-cs"/>
+      </a:defRPr>
+    </a:lvl1pPr>
+    <a:lvl2pPr marL="457200" algn="l" defTabSz="914400" rtl="0" eaLnBrk="1" latinLnBrk="0" hangingPunct="1">
+      <a:defRPr sz="1200" kern="1200">
+        <a:solidFill>
+          <a:schemeClr val="tx1"/>
+        </a:solidFill>
+        <a:latin typeface="+mn-lt"/>
+        <a:ea typeface="+mn-ea"/>
+        <a:cs typeface="+mn-cs"/>
+      </a:defRPr>
+    </a:lvl2pPr>
+    <a:lvl3pPr marL="914400" algn="l" defTabSz="914400" rtl="0" eaLnBrk="1" latinLnBrk="0" hangingPunct="1">
+      <a:defRPr sz="1200" kern="1200">
+        <a:solidFill>
+          <a:schemeClr val="tx1"/>
+        </a:solidFill>
+        <a:latin typeface="+mn-lt"/>
+        <a:ea typeface="+mn-ea"/>
+        <a:cs typeface="+mn-cs"/>
+      </a:defRPr>
+    </a:lvl3pPr>
+    <a:lvl4pPr marL="1371600" algn="l" defTabSz="914400" rtl="0" eaLnBrk="1" latinLnBrk="0" hangingPunct="1">
+      <a:defRPr sz="1200" kern="1200">
+        <a:solidFill>
+          <a:schemeClr val="tx1"/>
+        </a:solidFill>
+        <a:latin typeface="+mn-lt"/>
+        <a:ea typeface="+mn-ea"/>
+        <a:cs typeface="+mn-cs"/>
+      </a:defRPr>
+    </a:lvl4pPr>
+    <a:lvl5pPr marL="1828800" algn="l" defTabSz="914400" rtl="0" eaLnBrk="1" latinLnBrk="0" hangingPunct="1">
+      <a:defRPr sz="1200" kern="1200">
+        <a:solidFill>
+          <a:schemeClr val="tx1"/>
+        </a:solidFill>
+        <a:latin typeface="+mn-lt"/>
+        <a:ea typeface="+mn-ea"/>
+        <a:cs typeface="+mn-cs"/>
+      </a:defRPr>
+    </a:lvl5pPr>
+    <a:lvl6pPr marL="2286000" algn="l" defTabSz="914400" rtl="0" eaLnBrk="1" latinLnBrk="0" hangingPunct="1">
+      <a:defRPr sz="1200" kern="1200">
+        <a:solidFill>
+          <a:schemeClr val="tx1"/>
+        </a:solidFill>
+        <a:latin typeface="+mn-lt"/>
+        <a:ea typeface="+mn-ea"/>
+        <a:cs typeface="+mn-cs"/>
+      </a:defRPr>
+    </a:lvl6pPr>
+    <a:lvl7pPr marL="2743200" algn="l" defTabSz="914400" rtl="0" eaLnBrk="1" latinLnBrk="0" hangingPunct="1">
+      <a:defRPr sz="1200" kern="1200">
+        <a:solidFill>
+          <a:schemeClr val="tx1"/>
+        </a:solidFill>
+        <a:latin typeface="+mn-lt"/>
+        <a:ea typeface="+mn-ea"/>
+        <a:cs typeface="+mn-cs"/>
+      </a:defRPr>
+    </a:lvl7pPr>
+    <a:lvl8pPr marL="3200400" algn="l" defTabSz="914400" rtl="0" eaLnBrk="1" latinLnBrk="0" hangingPunct="1">
+      <a:defRPr sz="1200" kern="1200">
+        <a:solidFill>
+          <a:schemeClr val="tx1"/>
+        </a:solidFill>
+        <a:latin typeface="+mn-lt"/>
+        <a:ea typeface="+mn-ea"/>
+        <a:cs typeface="+mn-cs"/>
+      </a:defRPr>
+    </a:lvl8pPr>
+    <a:lvl9pPr marL="3657600" algn="l" defTabSz="914400" rtl="0" eaLnBrk="1" latinLnBrk="0" hangingPunct="1">
+      <a:defRPr sz="1200" kern="1200">
+        <a:solidFill>
+          <a:schemeClr val="tx1"/>
+        </a:solidFill>
+        <a:latin typeface="+mn-lt"/>
+        <a:ea typeface="+mn-ea"/>
+        <a:cs typeface="+mn-cs"/>
+      </a:defRPr>
+    </a:lvl9pPr>
+  </p:notesStyle>
+</p:notesMaster>
+</file>
+
+<file path=ppt/notesSlides/notesSlide1.xml><?xml version="1.0" encoding="utf-8"?>
+<p:notes xmlns:a="http://schemas.openxmlformats.org/drawingml/2006/main" xmlns:r="http://schemas.openxmlformats.org/officeDocument/2006/relationships" xmlns:p="http://schemas.openxmlformats.org/presentationml/2006/main">
+  <p:cSld>
+    <p:spTree>
+      <p:nvGrpSpPr>
+        <p:cNvPr id="1" name=""/>
+        <p:cNvGrpSpPr/>
+        <p:nvPr/>
+      </p:nvGrpSpPr>
+      <p:grpSpPr>
+        <a:xfrm>
+          <a:off x="0" y="0"/>
+          <a:ext cx="0" cy="0"/>
+          <a:chOff x="0" y="0"/>
+          <a:chExt cx="0" cy="0"/>
+        </a:xfrm>
+      </p:grpSpPr>
+      <p:sp>
+        <p:nvSpPr>
+          <p:cNvPr id="2" name="Espaço Reservado para Imagem de Slide 1"/>
+          <p:cNvSpPr>
+            <a:spLocks noGrp="1" noRot="1" noChangeAspect="1"/>
+          </p:cNvSpPr>
+          <p:nvPr>
+            <p:ph type="sldImg"/>
+          </p:nvPr>
+        </p:nvSpPr>
+        <p:spPr/>
+      </p:sp>
+      <p:sp>
+        <p:nvSpPr>
+          <p:cNvPr id="3" name="Espaço Reservado para Anotações 2"/>
+          <p:cNvSpPr>
+            <a:spLocks noGrp="1"/>
+          </p:cNvSpPr>
+          <p:nvPr>
+            <p:ph type="body" idx="1"/>
+          </p:nvPr>
+        </p:nvSpPr>
+        <p:spPr/>
+        <p:txBody>
+          <a:bodyPr/>
+          <a:lstStyle/>
+          <a:p>
+            <a:endParaRPr lang="en-US" dirty="0"/>
+          </a:p>
+        </p:txBody>
+      </p:sp>
+      <p:sp>
+        <p:nvSpPr>
+          <p:cNvPr id="4" name="Espaço Reservado para Número de Slide 3"/>
+          <p:cNvSpPr>
+            <a:spLocks noGrp="1"/>
+          </p:cNvSpPr>
+          <p:nvPr>
+            <p:ph type="sldNum" sz="quarter" idx="5"/>
+          </p:nvPr>
+        </p:nvSpPr>
+        <p:spPr/>
+        <p:txBody>
+          <a:bodyPr/>
+          <a:lstStyle/>
+          <a:p>
+            <a:fld id="{655C6A8A-9E42-4181-BE22-F2B07804530F}" type="slidenum">
+              <a:rPr lang="en-US" smtClean="0"/>
+              <a:t>2</a:t>
+            </a:fld>
+            <a:endParaRPr lang="en-US"/>
+          </a:p>
+        </p:txBody>
+      </p:sp>
+    </p:spTree>
+    <p:extLst>
+      <p:ext uri="{BB962C8B-B14F-4D97-AF65-F5344CB8AC3E}">
+        <p14:creationId xmlns:p14="http://schemas.microsoft.com/office/powerpoint/2010/main" val="3900876354"/>
+      </p:ext>
+    </p:extLst>
+  </p:cSld>
+  <p:clrMapOvr>
+    <a:masterClrMapping/>
+  </p:clrMapOvr>
+</p:notes>
 </file>
 
 <file path=ppt/slideLayouts/slideLayout1.xml><?xml version="1.0" encoding="utf-8"?>
@@ -256,7 +699,7 @@
           <a:p>
             <a:fld id="{C61C4DB6-09BD-4A68-9ECB-07C206392F54}" type="datetimeFigureOut">
               <a:rPr lang="en-US" smtClean="0"/>
-              <a:t>2/27/2023</a:t>
+              <a:t>10/9/2024</a:t>
             </a:fld>
             <a:endParaRPr lang="en-US"/>
           </a:p>
@@ -456,7 +899,7 @@
           <a:p>
             <a:fld id="{C61C4DB6-09BD-4A68-9ECB-07C206392F54}" type="datetimeFigureOut">
               <a:rPr lang="en-US" smtClean="0"/>
-              <a:t>2/27/2023</a:t>
+              <a:t>10/9/2024</a:t>
             </a:fld>
             <a:endParaRPr lang="en-US"/>
           </a:p>
@@ -666,7 +1109,7 @@
           <a:p>
             <a:fld id="{C61C4DB6-09BD-4A68-9ECB-07C206392F54}" type="datetimeFigureOut">
               <a:rPr lang="en-US" smtClean="0"/>
-              <a:t>2/27/2023</a:t>
+              <a:t>10/9/2024</a:t>
             </a:fld>
             <a:endParaRPr lang="en-US"/>
           </a:p>
@@ -866,7 +1309,7 @@
           <a:p>
             <a:fld id="{C61C4DB6-09BD-4A68-9ECB-07C206392F54}" type="datetimeFigureOut">
               <a:rPr lang="en-US" smtClean="0"/>
-              <a:t>2/27/2023</a:t>
+              <a:t>10/9/2024</a:t>
             </a:fld>
             <a:endParaRPr lang="en-US"/>
           </a:p>
@@ -1142,7 +1585,7 @@
           <a:p>
             <a:fld id="{C61C4DB6-09BD-4A68-9ECB-07C206392F54}" type="datetimeFigureOut">
               <a:rPr lang="en-US" smtClean="0"/>
-              <a:t>2/27/2023</a:t>
+              <a:t>10/9/2024</a:t>
             </a:fld>
             <a:endParaRPr lang="en-US"/>
           </a:p>
@@ -1410,7 +1853,7 @@
           <a:p>
             <a:fld id="{C61C4DB6-09BD-4A68-9ECB-07C206392F54}" type="datetimeFigureOut">
               <a:rPr lang="en-US" smtClean="0"/>
-              <a:t>2/27/2023</a:t>
+              <a:t>10/9/2024</a:t>
             </a:fld>
             <a:endParaRPr lang="en-US"/>
           </a:p>
@@ -1825,7 +2268,7 @@
           <a:p>
             <a:fld id="{C61C4DB6-09BD-4A68-9ECB-07C206392F54}" type="datetimeFigureOut">
               <a:rPr lang="en-US" smtClean="0"/>
-              <a:t>2/27/2023</a:t>
+              <a:t>10/9/2024</a:t>
             </a:fld>
             <a:endParaRPr lang="en-US"/>
           </a:p>
@@ -1967,7 +2410,7 @@
           <a:p>
             <a:fld id="{C61C4DB6-09BD-4A68-9ECB-07C206392F54}" type="datetimeFigureOut">
               <a:rPr lang="en-US" smtClean="0"/>
-              <a:t>2/27/2023</a:t>
+              <a:t>10/9/2024</a:t>
             </a:fld>
             <a:endParaRPr lang="en-US"/>
           </a:p>
@@ -2080,7 +2523,7 @@
           <a:p>
             <a:fld id="{C61C4DB6-09BD-4A68-9ECB-07C206392F54}" type="datetimeFigureOut">
               <a:rPr lang="en-US" smtClean="0"/>
-              <a:t>2/27/2023</a:t>
+              <a:t>10/9/2024</a:t>
             </a:fld>
             <a:endParaRPr lang="en-US"/>
           </a:p>
@@ -2393,7 +2836,7 @@
           <a:p>
             <a:fld id="{C61C4DB6-09BD-4A68-9ECB-07C206392F54}" type="datetimeFigureOut">
               <a:rPr lang="en-US" smtClean="0"/>
-              <a:t>2/27/2023</a:t>
+              <a:t>10/9/2024</a:t>
             </a:fld>
             <a:endParaRPr lang="en-US"/>
           </a:p>
@@ -2682,7 +3125,7 @@
           <a:p>
             <a:fld id="{C61C4DB6-09BD-4A68-9ECB-07C206392F54}" type="datetimeFigureOut">
               <a:rPr lang="en-US" smtClean="0"/>
-              <a:t>2/27/2023</a:t>
+              <a:t>10/9/2024</a:t>
             </a:fld>
             <a:endParaRPr lang="en-US"/>
           </a:p>
@@ -2925,7 +3368,7 @@
           <a:p>
             <a:fld id="{C61C4DB6-09BD-4A68-9ECB-07C206392F54}" type="datetimeFigureOut">
               <a:rPr lang="en-US" smtClean="0"/>
-              <a:t>2/27/2023</a:t>
+              <a:t>10/9/2024</a:t>
             </a:fld>
             <a:endParaRPr lang="en-US"/>
           </a:p>
@@ -3690,6 +4133,561 @@
 </p:sld>
 </file>
 
+<file path=ppt/slides/slide2.xml><?xml version="1.0" encoding="utf-8"?>
+<p:sld xmlns:a="http://schemas.openxmlformats.org/drawingml/2006/main" xmlns:r="http://schemas.openxmlformats.org/officeDocument/2006/relationships" xmlns:p="http://schemas.openxmlformats.org/presentationml/2006/main">
+  <p:cSld>
+    <p:spTree>
+      <p:nvGrpSpPr>
+        <p:cNvPr id="1" name=""/>
+        <p:cNvGrpSpPr/>
+        <p:nvPr/>
+      </p:nvGrpSpPr>
+      <p:grpSpPr>
+        <a:xfrm>
+          <a:off x="0" y="0"/>
+          <a:ext cx="0" cy="0"/>
+          <a:chOff x="0" y="0"/>
+          <a:chExt cx="0" cy="0"/>
+        </a:xfrm>
+      </p:grpSpPr>
+      <p:pic>
+        <p:nvPicPr>
+          <p:cNvPr id="7" name="Imagem 6">
+            <a:extLst>
+              <a:ext uri="{FF2B5EF4-FFF2-40B4-BE49-F238E27FC236}">
+                <a16:creationId xmlns:a16="http://schemas.microsoft.com/office/drawing/2014/main" id="{7B6CD4DF-D970-F5B8-5B32-AFCD6CA144A9}"/>
+              </a:ext>
+            </a:extLst>
+          </p:cNvPr>
+          <p:cNvPicPr>
+            <a:picLocks noChangeAspect="1"/>
+          </p:cNvPicPr>
+          <p:nvPr/>
+        </p:nvPicPr>
+        <p:blipFill>
+          <a:blip r:embed="rId3"/>
+          <a:stretch>
+            <a:fillRect/>
+          </a:stretch>
+        </p:blipFill>
+        <p:spPr>
+          <a:xfrm>
+            <a:off x="4360535" y="3543678"/>
+            <a:ext cx="3320018" cy="3114421"/>
+          </a:xfrm>
+          <a:prstGeom prst="rect">
+            <a:avLst/>
+          </a:prstGeom>
+        </p:spPr>
+      </p:pic>
+      <p:pic>
+        <p:nvPicPr>
+          <p:cNvPr id="9" name="Imagem 8">
+            <a:extLst>
+              <a:ext uri="{FF2B5EF4-FFF2-40B4-BE49-F238E27FC236}">
+                <a16:creationId xmlns:a16="http://schemas.microsoft.com/office/drawing/2014/main" id="{32FB7F46-9BD7-174F-B7F1-47C45E2F51BB}"/>
+              </a:ext>
+            </a:extLst>
+          </p:cNvPr>
+          <p:cNvPicPr>
+            <a:picLocks noChangeAspect="1"/>
+          </p:cNvPicPr>
+          <p:nvPr/>
+        </p:nvPicPr>
+        <p:blipFill>
+          <a:blip r:embed="rId4"/>
+          <a:stretch>
+            <a:fillRect/>
+          </a:stretch>
+        </p:blipFill>
+        <p:spPr>
+          <a:xfrm>
+            <a:off x="4528750" y="943322"/>
+            <a:ext cx="2983588" cy="2660845"/>
+          </a:xfrm>
+          <a:prstGeom prst="rect">
+            <a:avLst/>
+          </a:prstGeom>
+        </p:spPr>
+      </p:pic>
+      <p:pic>
+        <p:nvPicPr>
+          <p:cNvPr id="11" name="Imagem 10">
+            <a:extLst>
+              <a:ext uri="{FF2B5EF4-FFF2-40B4-BE49-F238E27FC236}">
+                <a16:creationId xmlns:a16="http://schemas.microsoft.com/office/drawing/2014/main" id="{F8AFB27E-2E69-002E-8302-14857846E184}"/>
+              </a:ext>
+            </a:extLst>
+          </p:cNvPr>
+          <p:cNvPicPr>
+            <a:picLocks noChangeAspect="1"/>
+          </p:cNvPicPr>
+          <p:nvPr/>
+        </p:nvPicPr>
+        <p:blipFill>
+          <a:blip r:embed="rId5"/>
+          <a:stretch>
+            <a:fillRect/>
+          </a:stretch>
+        </p:blipFill>
+        <p:spPr>
+          <a:xfrm>
+            <a:off x="7706216" y="3844569"/>
+            <a:ext cx="3777361" cy="2637483"/>
+          </a:xfrm>
+          <a:prstGeom prst="rect">
+            <a:avLst/>
+          </a:prstGeom>
+        </p:spPr>
+      </p:pic>
+      <p:pic>
+        <p:nvPicPr>
+          <p:cNvPr id="13" name="Imagem 12">
+            <a:extLst>
+              <a:ext uri="{FF2B5EF4-FFF2-40B4-BE49-F238E27FC236}">
+                <a16:creationId xmlns:a16="http://schemas.microsoft.com/office/drawing/2014/main" id="{140EDFC6-B31A-D734-6565-26F6A1BFA953}"/>
+              </a:ext>
+            </a:extLst>
+          </p:cNvPr>
+          <p:cNvPicPr>
+            <a:picLocks noChangeAspect="1"/>
+          </p:cNvPicPr>
+          <p:nvPr/>
+        </p:nvPicPr>
+        <p:blipFill>
+          <a:blip r:embed="rId6"/>
+          <a:stretch>
+            <a:fillRect/>
+          </a:stretch>
+        </p:blipFill>
+        <p:spPr>
+          <a:xfrm>
+            <a:off x="1000886" y="1003810"/>
+            <a:ext cx="3358099" cy="2419891"/>
+          </a:xfrm>
+          <a:prstGeom prst="rect">
+            <a:avLst/>
+          </a:prstGeom>
+        </p:spPr>
+      </p:pic>
+      <p:pic>
+        <p:nvPicPr>
+          <p:cNvPr id="15" name="Imagem 14">
+            <a:extLst>
+              <a:ext uri="{FF2B5EF4-FFF2-40B4-BE49-F238E27FC236}">
+                <a16:creationId xmlns:a16="http://schemas.microsoft.com/office/drawing/2014/main" id="{5E796FB9-B72C-5984-2B11-67006E291DBF}"/>
+              </a:ext>
+            </a:extLst>
+          </p:cNvPr>
+          <p:cNvPicPr>
+            <a:picLocks noChangeAspect="1"/>
+          </p:cNvPicPr>
+          <p:nvPr/>
+        </p:nvPicPr>
+        <p:blipFill>
+          <a:blip r:embed="rId7"/>
+          <a:stretch>
+            <a:fillRect/>
+          </a:stretch>
+        </p:blipFill>
+        <p:spPr>
+          <a:xfrm>
+            <a:off x="1019926" y="3698369"/>
+            <a:ext cx="3320018" cy="2587487"/>
+          </a:xfrm>
+          <a:prstGeom prst="rect">
+            <a:avLst/>
+          </a:prstGeom>
+        </p:spPr>
+      </p:pic>
+      <p:pic>
+        <p:nvPicPr>
+          <p:cNvPr id="17" name="Imagem 16">
+            <a:extLst>
+              <a:ext uri="{FF2B5EF4-FFF2-40B4-BE49-F238E27FC236}">
+                <a16:creationId xmlns:a16="http://schemas.microsoft.com/office/drawing/2014/main" id="{CDF385AE-D18C-7BC8-E2E0-E653B2234804}"/>
+              </a:ext>
+            </a:extLst>
+          </p:cNvPr>
+          <p:cNvPicPr>
+            <a:picLocks noChangeAspect="1"/>
+          </p:cNvPicPr>
+          <p:nvPr/>
+        </p:nvPicPr>
+        <p:blipFill>
+          <a:blip r:embed="rId8"/>
+          <a:stretch>
+            <a:fillRect/>
+          </a:stretch>
+        </p:blipFill>
+        <p:spPr>
+          <a:xfrm>
+            <a:off x="7611326" y="849119"/>
+            <a:ext cx="3777361" cy="2694559"/>
+          </a:xfrm>
+          <a:prstGeom prst="rect">
+            <a:avLst/>
+          </a:prstGeom>
+        </p:spPr>
+      </p:pic>
+      <p:sp>
+        <p:nvSpPr>
+          <p:cNvPr id="18" name="CaixaDeTexto 17">
+            <a:extLst>
+              <a:ext uri="{FF2B5EF4-FFF2-40B4-BE49-F238E27FC236}">
+                <a16:creationId xmlns:a16="http://schemas.microsoft.com/office/drawing/2014/main" id="{5D7650D6-B40B-099E-4B6E-94B3E96F1E8C}"/>
+              </a:ext>
+            </a:extLst>
+          </p:cNvPr>
+          <p:cNvSpPr txBox="1"/>
+          <p:nvPr/>
+        </p:nvSpPr>
+        <p:spPr>
+          <a:xfrm>
+            <a:off x="1199068" y="603700"/>
+            <a:ext cx="967637" cy="400110"/>
+          </a:xfrm>
+          <a:prstGeom prst="rect">
+            <a:avLst/>
+          </a:prstGeom>
+          <a:noFill/>
+        </p:spPr>
+        <p:txBody>
+          <a:bodyPr wrap="none" rtlCol="0">
+            <a:spAutoFit/>
+          </a:bodyPr>
+          <a:lstStyle/>
+          <a:p>
+            <a:r>
+              <a:rPr lang="en-US" sz="2000" b="1" dirty="0"/>
+              <a:t>STRAIN</a:t>
+            </a:r>
+          </a:p>
+        </p:txBody>
+      </p:sp>
+      <p:sp>
+        <p:nvSpPr>
+          <p:cNvPr id="19" name="CaixaDeTexto 18">
+            <a:extLst>
+              <a:ext uri="{FF2B5EF4-FFF2-40B4-BE49-F238E27FC236}">
+                <a16:creationId xmlns:a16="http://schemas.microsoft.com/office/drawing/2014/main" id="{34816C8D-0712-9761-478D-3495CD1B1048}"/>
+              </a:ext>
+            </a:extLst>
+          </p:cNvPr>
+          <p:cNvSpPr txBox="1"/>
+          <p:nvPr/>
+        </p:nvSpPr>
+        <p:spPr>
+          <a:xfrm>
+            <a:off x="1212340" y="3416061"/>
+            <a:ext cx="941091" cy="400110"/>
+          </a:xfrm>
+          <a:prstGeom prst="rect">
+            <a:avLst/>
+          </a:prstGeom>
+          <a:noFill/>
+        </p:spPr>
+        <p:txBody>
+          <a:bodyPr wrap="none" rtlCol="0">
+            <a:spAutoFit/>
+          </a:bodyPr>
+          <a:lstStyle/>
+          <a:p>
+            <a:r>
+              <a:rPr lang="en-US" sz="2000" b="1" dirty="0"/>
+              <a:t>STRESS</a:t>
+            </a:r>
+          </a:p>
+        </p:txBody>
+      </p:sp>
+      <p:sp>
+        <p:nvSpPr>
+          <p:cNvPr id="20" name="CaixaDeTexto 19">
+            <a:extLst>
+              <a:ext uri="{FF2B5EF4-FFF2-40B4-BE49-F238E27FC236}">
+                <a16:creationId xmlns:a16="http://schemas.microsoft.com/office/drawing/2014/main" id="{D1057C60-513D-F73C-4471-8D7305F03168}"/>
+              </a:ext>
+            </a:extLst>
+          </p:cNvPr>
+          <p:cNvSpPr txBox="1"/>
+          <p:nvPr/>
+        </p:nvSpPr>
+        <p:spPr>
+          <a:xfrm>
+            <a:off x="4715486" y="603700"/>
+            <a:ext cx="1685077" cy="400110"/>
+          </a:xfrm>
+          <a:prstGeom prst="rect">
+            <a:avLst/>
+          </a:prstGeom>
+          <a:noFill/>
+        </p:spPr>
+        <p:txBody>
+          <a:bodyPr wrap="none" rtlCol="0">
+            <a:spAutoFit/>
+          </a:bodyPr>
+          <a:lstStyle/>
+          <a:p>
+            <a:r>
+              <a:rPr lang="en-US" sz="2000" b="1" dirty="0"/>
+              <a:t>Buckling CCCC</a:t>
+            </a:r>
+          </a:p>
+        </p:txBody>
+      </p:sp>
+      <p:sp>
+        <p:nvSpPr>
+          <p:cNvPr id="21" name="CaixaDeTexto 20">
+            <a:extLst>
+              <a:ext uri="{FF2B5EF4-FFF2-40B4-BE49-F238E27FC236}">
+                <a16:creationId xmlns:a16="http://schemas.microsoft.com/office/drawing/2014/main" id="{6D7DB561-EF8E-B1DA-73ED-CFB8F72F1AC5}"/>
+              </a:ext>
+            </a:extLst>
+          </p:cNvPr>
+          <p:cNvSpPr txBox="1"/>
+          <p:nvPr/>
+        </p:nvSpPr>
+        <p:spPr>
+          <a:xfrm>
+            <a:off x="4714966" y="3444459"/>
+            <a:ext cx="1619161" cy="400110"/>
+          </a:xfrm>
+          <a:prstGeom prst="rect">
+            <a:avLst/>
+          </a:prstGeom>
+          <a:noFill/>
+        </p:spPr>
+        <p:txBody>
+          <a:bodyPr wrap="none" rtlCol="0">
+            <a:spAutoFit/>
+          </a:bodyPr>
+          <a:lstStyle/>
+          <a:p>
+            <a:r>
+              <a:rPr lang="en-US" sz="2000" b="1" dirty="0"/>
+              <a:t>Buckling FSSS</a:t>
+            </a:r>
+          </a:p>
+        </p:txBody>
+      </p:sp>
+      <p:sp>
+        <p:nvSpPr>
+          <p:cNvPr id="22" name="CaixaDeTexto 21">
+            <a:extLst>
+              <a:ext uri="{FF2B5EF4-FFF2-40B4-BE49-F238E27FC236}">
+                <a16:creationId xmlns:a16="http://schemas.microsoft.com/office/drawing/2014/main" id="{17CE8F3F-E737-CD6E-8A7E-E7EAB7DB322A}"/>
+              </a:ext>
+            </a:extLst>
+          </p:cNvPr>
+          <p:cNvSpPr txBox="1"/>
+          <p:nvPr/>
+        </p:nvSpPr>
+        <p:spPr>
+          <a:xfrm>
+            <a:off x="8036666" y="603700"/>
+            <a:ext cx="2874057" cy="400110"/>
+          </a:xfrm>
+          <a:prstGeom prst="rect">
+            <a:avLst/>
+          </a:prstGeom>
+          <a:noFill/>
+        </p:spPr>
+        <p:txBody>
+          <a:bodyPr wrap="none" rtlCol="0">
+            <a:spAutoFit/>
+          </a:bodyPr>
+          <a:lstStyle/>
+          <a:p>
+            <a:r>
+              <a:rPr lang="en-US" sz="2000" b="1" dirty="0"/>
+              <a:t>Optimization constrained</a:t>
+            </a:r>
+          </a:p>
+        </p:txBody>
+      </p:sp>
+      <p:sp>
+        <p:nvSpPr>
+          <p:cNvPr id="23" name="CaixaDeTexto 22">
+            <a:extLst>
+              <a:ext uri="{FF2B5EF4-FFF2-40B4-BE49-F238E27FC236}">
+                <a16:creationId xmlns:a16="http://schemas.microsoft.com/office/drawing/2014/main" id="{1CF1C115-33B0-086C-D333-7BFE4E3B8ACF}"/>
+              </a:ext>
+            </a:extLst>
+          </p:cNvPr>
+          <p:cNvSpPr txBox="1"/>
+          <p:nvPr/>
+        </p:nvSpPr>
+        <p:spPr>
+          <a:xfrm>
+            <a:off x="8036736" y="3444459"/>
+            <a:ext cx="3149773" cy="400110"/>
+          </a:xfrm>
+          <a:prstGeom prst="rect">
+            <a:avLst/>
+          </a:prstGeom>
+          <a:noFill/>
+        </p:spPr>
+        <p:txBody>
+          <a:bodyPr wrap="none" rtlCol="0">
+            <a:spAutoFit/>
+          </a:bodyPr>
+          <a:lstStyle/>
+          <a:p>
+            <a:r>
+              <a:rPr lang="en-US" sz="2000" b="1" dirty="0"/>
+              <a:t>Optimization unconstrained</a:t>
+            </a:r>
+          </a:p>
+        </p:txBody>
+      </p:sp>
+      <p:sp>
+        <p:nvSpPr>
+          <p:cNvPr id="25" name="Retângulo 24">
+            <a:extLst>
+              <a:ext uri="{FF2B5EF4-FFF2-40B4-BE49-F238E27FC236}">
+                <a16:creationId xmlns:a16="http://schemas.microsoft.com/office/drawing/2014/main" id="{19C4B327-4451-6BD7-4497-EB035C13DED4}"/>
+              </a:ext>
+            </a:extLst>
+          </p:cNvPr>
+          <p:cNvSpPr/>
+          <p:nvPr/>
+        </p:nvSpPr>
+        <p:spPr>
+          <a:xfrm>
+            <a:off x="879893" y="578407"/>
+            <a:ext cx="10696755" cy="5994921"/>
+          </a:xfrm>
+          <a:prstGeom prst="rect">
+            <a:avLst/>
+          </a:prstGeom>
+          <a:noFill/>
+          <a:ln>
+            <a:prstDash val="dash"/>
+          </a:ln>
+        </p:spPr>
+        <p:style>
+          <a:lnRef idx="2">
+            <a:schemeClr val="accent1">
+              <a:shade val="15000"/>
+            </a:schemeClr>
+          </a:lnRef>
+          <a:fillRef idx="1">
+            <a:schemeClr val="accent1"/>
+          </a:fillRef>
+          <a:effectRef idx="0">
+            <a:schemeClr val="accent1"/>
+          </a:effectRef>
+          <a:fontRef idx="minor">
+            <a:schemeClr val="lt1"/>
+          </a:fontRef>
+        </p:style>
+        <p:txBody>
+          <a:bodyPr rtlCol="0" anchor="ctr"/>
+          <a:lstStyle/>
+          <a:p>
+            <a:pPr algn="ctr"/>
+            <a:endParaRPr lang="en-US"/>
+          </a:p>
+        </p:txBody>
+      </p:sp>
+      <p:sp>
+        <p:nvSpPr>
+          <p:cNvPr id="26" name="Retângulo 25">
+            <a:extLst>
+              <a:ext uri="{FF2B5EF4-FFF2-40B4-BE49-F238E27FC236}">
+                <a16:creationId xmlns:a16="http://schemas.microsoft.com/office/drawing/2014/main" id="{EE7F6BAE-AB79-C0E6-3AB9-81E52E636537}"/>
+              </a:ext>
+            </a:extLst>
+          </p:cNvPr>
+          <p:cNvSpPr/>
+          <p:nvPr/>
+        </p:nvSpPr>
+        <p:spPr>
+          <a:xfrm>
+            <a:off x="4339945" y="578407"/>
+            <a:ext cx="3271381" cy="5994921"/>
+          </a:xfrm>
+          <a:prstGeom prst="rect">
+            <a:avLst/>
+          </a:prstGeom>
+          <a:noFill/>
+          <a:ln>
+            <a:prstDash val="dash"/>
+          </a:ln>
+        </p:spPr>
+        <p:style>
+          <a:lnRef idx="2">
+            <a:schemeClr val="accent1">
+              <a:shade val="15000"/>
+            </a:schemeClr>
+          </a:lnRef>
+          <a:fillRef idx="1">
+            <a:schemeClr val="accent1"/>
+          </a:fillRef>
+          <a:effectRef idx="0">
+            <a:schemeClr val="accent1"/>
+          </a:effectRef>
+          <a:fontRef idx="minor">
+            <a:schemeClr val="lt1"/>
+          </a:fontRef>
+        </p:style>
+        <p:txBody>
+          <a:bodyPr rtlCol="0" anchor="ctr"/>
+          <a:lstStyle/>
+          <a:p>
+            <a:pPr algn="ctr"/>
+            <a:endParaRPr lang="en-US"/>
+          </a:p>
+        </p:txBody>
+      </p:sp>
+      <p:sp>
+        <p:nvSpPr>
+          <p:cNvPr id="2" name="CaixaDeTexto 1">
+            <a:extLst>
+              <a:ext uri="{FF2B5EF4-FFF2-40B4-BE49-F238E27FC236}">
+                <a16:creationId xmlns:a16="http://schemas.microsoft.com/office/drawing/2014/main" id="{968D8FF2-FAB5-EF0A-1329-670835BDB63D}"/>
+              </a:ext>
+            </a:extLst>
+          </p:cNvPr>
+          <p:cNvSpPr txBox="1"/>
+          <p:nvPr/>
+        </p:nvSpPr>
+        <p:spPr>
+          <a:xfrm>
+            <a:off x="855945" y="-17382"/>
+            <a:ext cx="3628942" cy="584775"/>
+          </a:xfrm>
+          <a:prstGeom prst="rect">
+            <a:avLst/>
+          </a:prstGeom>
+          <a:noFill/>
+        </p:spPr>
+        <p:txBody>
+          <a:bodyPr wrap="none" rtlCol="0">
+            <a:spAutoFit/>
+          </a:bodyPr>
+          <a:lstStyle/>
+          <a:p>
+            <a:r>
+              <a:rPr lang="en-US" sz="3200" b="1" dirty="0"/>
+              <a:t>Composipy Features</a:t>
+            </a:r>
+          </a:p>
+        </p:txBody>
+      </p:sp>
+    </p:spTree>
+    <p:extLst>
+      <p:ext uri="{BB962C8B-B14F-4D97-AF65-F5344CB8AC3E}">
+        <p14:creationId xmlns:p14="http://schemas.microsoft.com/office/powerpoint/2010/main" val="1295867838"/>
+      </p:ext>
+    </p:extLst>
+  </p:cSld>
+  <p:clrMapOvr>
+    <a:masterClrMapping/>
+  </p:clrMapOvr>
+</p:sld>
+</file>
+
 <file path=ppt/theme/theme1.xml><?xml version="1.0" encoding="utf-8"?>
 <a:theme xmlns:a="http://schemas.openxmlformats.org/drawingml/2006/main" name="Tema do Office">
   <a:themeElements>
@@ -3983,4 +4981,299 @@
     </a:ext>
   </a:extLst>
 </a:theme>
+</file>
+
+<file path=ppt/theme/theme2.xml><?xml version="1.0" encoding="utf-8"?>
+<a:theme xmlns:a="http://schemas.openxmlformats.org/drawingml/2006/main" name="Tema do Office">
+  <a:themeElements>
+    <a:clrScheme name="Office">
+      <a:dk1>
+        <a:sysClr val="windowText" lastClr="000000"/>
+      </a:dk1>
+      <a:lt1>
+        <a:sysClr val="window" lastClr="FFFFFF"/>
+      </a:lt1>
+      <a:dk2>
+        <a:srgbClr val="44546A"/>
+      </a:dk2>
+      <a:lt2>
+        <a:srgbClr val="E7E6E6"/>
+      </a:lt2>
+      <a:accent1>
+        <a:srgbClr val="4472C4"/>
+      </a:accent1>
+      <a:accent2>
+        <a:srgbClr val="ED7D31"/>
+      </a:accent2>
+      <a:accent3>
+        <a:srgbClr val="A5A5A5"/>
+      </a:accent3>
+      <a:accent4>
+        <a:srgbClr val="FFC000"/>
+      </a:accent4>
+      <a:accent5>
+        <a:srgbClr val="5B9BD5"/>
+      </a:accent5>
+      <a:accent6>
+        <a:srgbClr val="70AD47"/>
+      </a:accent6>
+      <a:hlink>
+        <a:srgbClr val="0563C1"/>
+      </a:hlink>
+      <a:folHlink>
+        <a:srgbClr val="954F72"/>
+      </a:folHlink>
+    </a:clrScheme>
+    <a:fontScheme name="Office">
+      <a:majorFont>
+        <a:latin typeface="Calibri Light" panose="020F0302020204030204"/>
+        <a:ea typeface=""/>
+        <a:cs typeface=""/>
+        <a:font script="Jpan" typeface="游ゴシック Light"/>
+        <a:font script="Hang" typeface="맑은 고딕"/>
+        <a:font script="Hans" typeface="等线 Light"/>
+        <a:font script="Hant" typeface="新細明體"/>
+        <a:font script="Arab" typeface="Times New Roman"/>
+        <a:font script="Hebr" typeface="Times New Roman"/>
+        <a:font script="Thai" typeface="Angsana New"/>
+        <a:font script="Ethi" typeface="Nyala"/>
+        <a:font script="Beng" typeface="Vrinda"/>
+        <a:font script="Gujr" typeface="Shruti"/>
+        <a:font script="Khmr" typeface="MoolBoran"/>
+        <a:font script="Knda" typeface="Tunga"/>
+        <a:font script="Guru" typeface="Raavi"/>
+        <a:font script="Cans" typeface="Euphemia"/>
+        <a:font script="Cher" typeface="Plantagenet Cherokee"/>
+        <a:font script="Yiii" typeface="Microsoft Yi Baiti"/>
+        <a:font script="Tibt" typeface="Microsoft Himalaya"/>
+        <a:font script="Thaa" typeface="MV Boli"/>
+        <a:font script="Deva" typeface="Mangal"/>
+        <a:font script="Telu" typeface="Gautami"/>
+        <a:font script="Taml" typeface="Latha"/>
+        <a:font script="Syrc" typeface="Estrangelo Edessa"/>
+        <a:font script="Orya" typeface="Kalinga"/>
+        <a:font script="Mlym" typeface="Kartika"/>
+        <a:font script="Laoo" typeface="DokChampa"/>
+        <a:font script="Sinh" typeface="Iskoola Pota"/>
+        <a:font script="Mong" typeface="Mongolian Baiti"/>
+        <a:font script="Viet" typeface="Times New Roman"/>
+        <a:font script="Uigh" typeface="Microsoft Uighur"/>
+        <a:font script="Geor" typeface="Sylfaen"/>
+        <a:font script="Armn" typeface="Arial"/>
+        <a:font script="Bugi" typeface="Leelawadee UI"/>
+        <a:font script="Bopo" typeface="Microsoft JhengHei"/>
+        <a:font script="Java" typeface="Javanese Text"/>
+        <a:font script="Lisu" typeface="Segoe UI"/>
+        <a:font script="Mymr" typeface="Myanmar Text"/>
+        <a:font script="Nkoo" typeface="Ebrima"/>
+        <a:font script="Olck" typeface="Nirmala UI"/>
+        <a:font script="Osma" typeface="Ebrima"/>
+        <a:font script="Phag" typeface="Phagspa"/>
+        <a:font script="Syrn" typeface="Estrangelo Edessa"/>
+        <a:font script="Syrj" typeface="Estrangelo Edessa"/>
+        <a:font script="Syre" typeface="Estrangelo Edessa"/>
+        <a:font script="Sora" typeface="Nirmala UI"/>
+        <a:font script="Tale" typeface="Microsoft Tai Le"/>
+        <a:font script="Talu" typeface="Microsoft New Tai Lue"/>
+        <a:font script="Tfng" typeface="Ebrima"/>
+      </a:majorFont>
+      <a:minorFont>
+        <a:latin typeface="Calibri" panose="020F0502020204030204"/>
+        <a:ea typeface=""/>
+        <a:cs typeface=""/>
+        <a:font script="Jpan" typeface="游ゴシック"/>
+        <a:font script="Hang" typeface="맑은 고딕"/>
+        <a:font script="Hans" typeface="等线"/>
+        <a:font script="Hant" typeface="新細明體"/>
+        <a:font script="Arab" typeface="Arial"/>
+        <a:font script="Hebr" typeface="Arial"/>
+        <a:font script="Thai" typeface="Cordia New"/>
+        <a:font script="Ethi" typeface="Nyala"/>
+        <a:font script="Beng" typeface="Vrinda"/>
+        <a:font script="Gujr" typeface="Shruti"/>
+        <a:font script="Khmr" typeface="DaunPenh"/>
+        <a:font script="Knda" typeface="Tunga"/>
+        <a:font script="Guru" typeface="Raavi"/>
+        <a:font script="Cans" typeface="Euphemia"/>
+        <a:font script="Cher" typeface="Plantagenet Cherokee"/>
+        <a:font script="Yiii" typeface="Microsoft Yi Baiti"/>
+        <a:font script="Tibt" typeface="Microsoft Himalaya"/>
+        <a:font script="Thaa" typeface="MV Boli"/>
+        <a:font script="Deva" typeface="Mangal"/>
+        <a:font script="Telu" typeface="Gautami"/>
+        <a:font script="Taml" typeface="Latha"/>
+        <a:font script="Syrc" typeface="Estrangelo Edessa"/>
+        <a:font script="Orya" typeface="Kalinga"/>
+        <a:font script="Mlym" typeface="Kartika"/>
+        <a:font script="Laoo" typeface="DokChampa"/>
+        <a:font script="Sinh" typeface="Iskoola Pota"/>
+        <a:font script="Mong" typeface="Mongolian Baiti"/>
+        <a:font script="Viet" typeface="Arial"/>
+        <a:font script="Uigh" typeface="Microsoft Uighur"/>
+        <a:font script="Geor" typeface="Sylfaen"/>
+        <a:font script="Armn" typeface="Arial"/>
+        <a:font script="Bugi" typeface="Leelawadee UI"/>
+        <a:font script="Bopo" typeface="Microsoft JhengHei"/>
+        <a:font script="Java" typeface="Javanese Text"/>
+        <a:font script="Lisu" typeface="Segoe UI"/>
+        <a:font script="Mymr" typeface="Myanmar Text"/>
+        <a:font script="Nkoo" typeface="Ebrima"/>
+        <a:font script="Olck" typeface="Nirmala UI"/>
+        <a:font script="Osma" typeface="Ebrima"/>
+        <a:font script="Phag" typeface="Phagspa"/>
+        <a:font script="Syrn" typeface="Estrangelo Edessa"/>
+        <a:font script="Syrj" typeface="Estrangelo Edessa"/>
+        <a:font script="Syre" typeface="Estrangelo Edessa"/>
+        <a:font script="Sora" typeface="Nirmala UI"/>
+        <a:font script="Tale" typeface="Microsoft Tai Le"/>
+        <a:font script="Talu" typeface="Microsoft New Tai Lue"/>
+        <a:font script="Tfng" typeface="Ebrima"/>
+      </a:minorFont>
+    </a:fontScheme>
+    <a:fmtScheme name="Office">
+      <a:fillStyleLst>
+        <a:solidFill>
+          <a:schemeClr val="phClr"/>
+        </a:solidFill>
+        <a:gradFill rotWithShape="1">
+          <a:gsLst>
+            <a:gs pos="0">
+              <a:schemeClr val="phClr">
+                <a:lumMod val="110000"/>
+                <a:satMod val="105000"/>
+                <a:tint val="67000"/>
+              </a:schemeClr>
+            </a:gs>
+            <a:gs pos="50000">
+              <a:schemeClr val="phClr">
+                <a:lumMod val="105000"/>
+                <a:satMod val="103000"/>
+                <a:tint val="73000"/>
+              </a:schemeClr>
+            </a:gs>
+            <a:gs pos="100000">
+              <a:schemeClr val="phClr">
+                <a:lumMod val="105000"/>
+                <a:satMod val="109000"/>
+                <a:tint val="81000"/>
+              </a:schemeClr>
+            </a:gs>
+          </a:gsLst>
+          <a:lin ang="5400000" scaled="0"/>
+        </a:gradFill>
+        <a:gradFill rotWithShape="1">
+          <a:gsLst>
+            <a:gs pos="0">
+              <a:schemeClr val="phClr">
+                <a:satMod val="103000"/>
+                <a:lumMod val="102000"/>
+                <a:tint val="94000"/>
+              </a:schemeClr>
+            </a:gs>
+            <a:gs pos="50000">
+              <a:schemeClr val="phClr">
+                <a:satMod val="110000"/>
+                <a:lumMod val="100000"/>
+                <a:shade val="100000"/>
+              </a:schemeClr>
+            </a:gs>
+            <a:gs pos="100000">
+              <a:schemeClr val="phClr">
+                <a:lumMod val="99000"/>
+                <a:satMod val="120000"/>
+                <a:shade val="78000"/>
+              </a:schemeClr>
+            </a:gs>
+          </a:gsLst>
+          <a:lin ang="5400000" scaled="0"/>
+        </a:gradFill>
+      </a:fillStyleLst>
+      <a:lnStyleLst>
+        <a:ln w="6350" cap="flat" cmpd="sng" algn="ctr">
+          <a:solidFill>
+            <a:schemeClr val="phClr"/>
+          </a:solidFill>
+          <a:prstDash val="solid"/>
+          <a:miter lim="800000"/>
+        </a:ln>
+        <a:ln w="12700" cap="flat" cmpd="sng" algn="ctr">
+          <a:solidFill>
+            <a:schemeClr val="phClr"/>
+          </a:solidFill>
+          <a:prstDash val="solid"/>
+          <a:miter lim="800000"/>
+        </a:ln>
+        <a:ln w="19050" cap="flat" cmpd="sng" algn="ctr">
+          <a:solidFill>
+            <a:schemeClr val="phClr"/>
+          </a:solidFill>
+          <a:prstDash val="solid"/>
+          <a:miter lim="800000"/>
+        </a:ln>
+      </a:lnStyleLst>
+      <a:effectStyleLst>
+        <a:effectStyle>
+          <a:effectLst/>
+        </a:effectStyle>
+        <a:effectStyle>
+          <a:effectLst/>
+        </a:effectStyle>
+        <a:effectStyle>
+          <a:effectLst>
+            <a:outerShdw blurRad="57150" dist="19050" dir="5400000" algn="ctr" rotWithShape="0">
+              <a:srgbClr val="000000">
+                <a:alpha val="63000"/>
+              </a:srgbClr>
+            </a:outerShdw>
+          </a:effectLst>
+        </a:effectStyle>
+      </a:effectStyleLst>
+      <a:bgFillStyleLst>
+        <a:solidFill>
+          <a:schemeClr val="phClr"/>
+        </a:solidFill>
+        <a:solidFill>
+          <a:schemeClr val="phClr">
+            <a:tint val="95000"/>
+            <a:satMod val="170000"/>
+          </a:schemeClr>
+        </a:solidFill>
+        <a:gradFill rotWithShape="1">
+          <a:gsLst>
+            <a:gs pos="0">
+              <a:schemeClr val="phClr">
+                <a:tint val="93000"/>
+                <a:satMod val="150000"/>
+                <a:shade val="98000"/>
+                <a:lumMod val="102000"/>
+              </a:schemeClr>
+            </a:gs>
+            <a:gs pos="50000">
+              <a:schemeClr val="phClr">
+                <a:tint val="98000"/>
+                <a:satMod val="130000"/>
+                <a:shade val="90000"/>
+                <a:lumMod val="103000"/>
+              </a:schemeClr>
+            </a:gs>
+            <a:gs pos="100000">
+              <a:schemeClr val="phClr">
+                <a:shade val="63000"/>
+                <a:satMod val="120000"/>
+              </a:schemeClr>
+            </a:gs>
+          </a:gsLst>
+          <a:lin ang="5400000" scaled="0"/>
+        </a:gradFill>
+      </a:bgFillStyleLst>
+    </a:fmtScheme>
+  </a:themeElements>
+  <a:objectDefaults/>
+  <a:extraClrSchemeLst/>
+  <a:extLst>
+    <a:ext uri="{05A4C25C-085E-4340-85A3-A5531E510DB2}">
+      <thm15:themeFamily xmlns:thm15="http://schemas.microsoft.com/office/thememl/2012/main" name="Office Theme" id="{62F939B6-93AF-4DB8-9C6B-D6C7DFDC589F}" vid="{4A3C46E8-61CC-4603-A589-7422A47A8E4A}"/>
+    </a:ext>
+  </a:extLst>
+</a:theme>
 </file>